--- a/conf_bias_poster.pptx
+++ b/conf_bias_poster.pptx
@@ -104,6 +104,11 @@
       </a:defRPr>
     </a:lvl9pPr>
   </p:defaultTextStyle>
+  <p:extLst>
+    <p:ext uri="{EFAFB233-063F-42B5-8137-9DF3F51BA10A}">
+      <p15:sldGuideLst xmlns:p15="http://schemas.microsoft.com/office/powerpoint/2012/main"/>
+    </p:ext>
+  </p:extLst>
 </p:presentation>
 </file>
 
@@ -238,7 +243,7 @@
           <a:p>
             <a:fld id="{DD752A69-7AE1-D248-BF28-F99F8D4EB3BF}" type="datetimeFigureOut">
               <a:rPr lang="en-US" smtClean="0"/>
-              <a:t>8/25/22</a:t>
+              <a:t>5/16/23</a:t>
             </a:fld>
             <a:endParaRPr lang="en-US"/>
           </a:p>
@@ -408,7 +413,7 @@
           <a:p>
             <a:fld id="{DD752A69-7AE1-D248-BF28-F99F8D4EB3BF}" type="datetimeFigureOut">
               <a:rPr lang="en-US" smtClean="0"/>
-              <a:t>8/25/22</a:t>
+              <a:t>5/16/23</a:t>
             </a:fld>
             <a:endParaRPr lang="en-US"/>
           </a:p>
@@ -588,7 +593,7 @@
           <a:p>
             <a:fld id="{DD752A69-7AE1-D248-BF28-F99F8D4EB3BF}" type="datetimeFigureOut">
               <a:rPr lang="en-US" smtClean="0"/>
-              <a:t>8/25/22</a:t>
+              <a:t>5/16/23</a:t>
             </a:fld>
             <a:endParaRPr lang="en-US"/>
           </a:p>
@@ -758,7 +763,7 @@
           <a:p>
             <a:fld id="{DD752A69-7AE1-D248-BF28-F99F8D4EB3BF}" type="datetimeFigureOut">
               <a:rPr lang="en-US" smtClean="0"/>
-              <a:t>8/25/22</a:t>
+              <a:t>5/16/23</a:t>
             </a:fld>
             <a:endParaRPr lang="en-US"/>
           </a:p>
@@ -1002,7 +1007,7 @@
           <a:p>
             <a:fld id="{DD752A69-7AE1-D248-BF28-F99F8D4EB3BF}" type="datetimeFigureOut">
               <a:rPr lang="en-US" smtClean="0"/>
-              <a:t>8/25/22</a:t>
+              <a:t>5/16/23</a:t>
             </a:fld>
             <a:endParaRPr lang="en-US"/>
           </a:p>
@@ -1234,7 +1239,7 @@
           <a:p>
             <a:fld id="{DD752A69-7AE1-D248-BF28-F99F8D4EB3BF}" type="datetimeFigureOut">
               <a:rPr lang="en-US" smtClean="0"/>
-              <a:t>8/25/22</a:t>
+              <a:t>5/16/23</a:t>
             </a:fld>
             <a:endParaRPr lang="en-US"/>
           </a:p>
@@ -1601,7 +1606,7 @@
           <a:p>
             <a:fld id="{DD752A69-7AE1-D248-BF28-F99F8D4EB3BF}" type="datetimeFigureOut">
               <a:rPr lang="en-US" smtClean="0"/>
-              <a:t>8/25/22</a:t>
+              <a:t>5/16/23</a:t>
             </a:fld>
             <a:endParaRPr lang="en-US"/>
           </a:p>
@@ -1719,7 +1724,7 @@
           <a:p>
             <a:fld id="{DD752A69-7AE1-D248-BF28-F99F8D4EB3BF}" type="datetimeFigureOut">
               <a:rPr lang="en-US" smtClean="0"/>
-              <a:t>8/25/22</a:t>
+              <a:t>5/16/23</a:t>
             </a:fld>
             <a:endParaRPr lang="en-US"/>
           </a:p>
@@ -1814,7 +1819,7 @@
           <a:p>
             <a:fld id="{DD752A69-7AE1-D248-BF28-F99F8D4EB3BF}" type="datetimeFigureOut">
               <a:rPr lang="en-US" smtClean="0"/>
-              <a:t>8/25/22</a:t>
+              <a:t>5/16/23</a:t>
             </a:fld>
             <a:endParaRPr lang="en-US"/>
           </a:p>
@@ -2091,7 +2096,7 @@
           <a:p>
             <a:fld id="{DD752A69-7AE1-D248-BF28-F99F8D4EB3BF}" type="datetimeFigureOut">
               <a:rPr lang="en-US" smtClean="0"/>
-              <a:t>8/25/22</a:t>
+              <a:t>5/16/23</a:t>
             </a:fld>
             <a:endParaRPr lang="en-US"/>
           </a:p>
@@ -2348,7 +2353,7 @@
           <a:p>
             <a:fld id="{DD752A69-7AE1-D248-BF28-F99F8D4EB3BF}" type="datetimeFigureOut">
               <a:rPr lang="en-US" smtClean="0"/>
-              <a:t>8/25/22</a:t>
+              <a:t>5/16/23</a:t>
             </a:fld>
             <a:endParaRPr lang="en-US"/>
           </a:p>
@@ -2561,7 +2566,7 @@
           <a:p>
             <a:fld id="{DD752A69-7AE1-D248-BF28-F99F8D4EB3BF}" type="datetimeFigureOut">
               <a:rPr lang="en-US" smtClean="0"/>
-              <a:t>8/25/22</a:t>
+              <a:t>5/16/23</a:t>
             </a:fld>
             <a:endParaRPr lang="en-US"/>
           </a:p>
@@ -3659,8 +3664,8 @@
         </p:nvSpPr>
         <p:spPr>
           <a:xfrm>
-            <a:off x="366790" y="1054309"/>
-            <a:ext cx="8984430" cy="735210"/>
+            <a:off x="5845207" y="-3535616"/>
+            <a:ext cx="3005885" cy="141612"/>
           </a:xfrm>
           <a:prstGeom prst="rect">
             <a:avLst/>
@@ -6529,7 +6534,7 @@
         </p:nvSpPr>
         <p:spPr>
           <a:xfrm>
-            <a:off x="4800600" y="10167871"/>
+            <a:off x="4800598" y="10029944"/>
             <a:ext cx="3829821" cy="871375"/>
           </a:xfrm>
           <a:prstGeom prst="rect">
@@ -6734,7 +6739,7 @@
                 <a:latin typeface="Arial" panose="020B0604020202020204" pitchFamily="34" charset="0"/>
                 <a:cs typeface="Arial" panose="020B0604020202020204" pitchFamily="34" charset="0"/>
               </a:rPr>
-              <a:t>different sources given neutral initial priors in both the central hypothesis and source reliability. Under simple and rational models, the belief in the central hypothesis returns to the prior belief. With the BIASR model, biased assimilation dynamics mean that the data received earlier has a stronger effect on posterior beliefs than data received later.</a:t>
+              <a:t>different sources given neutral initial priors. Under simple and rational models, the belief in the central hypothesis returns to the prior belief. With the BIASR model, data received earlier has a stronger effect on beliefs than data received later.</a:t>
             </a:r>
             <a:endParaRPr lang="en-GB" sz="800" b="1" i="1" dirty="0">
               <a:solidFill>
@@ -7253,8 +7258,8 @@
         </p:blipFill>
         <p:spPr>
           <a:xfrm>
-            <a:off x="7554316" y="726054"/>
-            <a:ext cx="1543680" cy="512978"/>
+            <a:off x="6700385" y="249917"/>
+            <a:ext cx="1237497" cy="411231"/>
           </a:xfrm>
           <a:prstGeom prst="rect">
             <a:avLst/>
@@ -7283,7 +7288,7 @@
         </p:blipFill>
         <p:spPr>
           <a:xfrm>
-            <a:off x="7251405" y="266767"/>
+            <a:off x="8345079" y="832658"/>
             <a:ext cx="570680" cy="376318"/>
           </a:xfrm>
           <a:prstGeom prst="rect">
@@ -7373,7 +7378,7 @@
         </p:blipFill>
         <p:spPr>
           <a:xfrm>
-            <a:off x="4800600" y="7347653"/>
+            <a:off x="4800598" y="7269170"/>
             <a:ext cx="3819502" cy="2864628"/>
           </a:xfrm>
           <a:prstGeom prst="rect">
@@ -7413,10 +7418,10 @@
       </p:pic>
       <p:pic>
         <p:nvPicPr>
-          <p:cNvPr id="61" name="Picture 60" descr="Table&#10;&#10;Description automatically generated">
+          <p:cNvPr id="3" name="Picture 2">
             <a:extLst>
               <a:ext uri="{FF2B5EF4-FFF2-40B4-BE49-F238E27FC236}">
-                <a16:creationId xmlns:a16="http://schemas.microsoft.com/office/drawing/2014/main" id="{AD2CD30C-DA40-4957-CD09-43297DBFCAAA}"/>
+                <a16:creationId xmlns:a16="http://schemas.microsoft.com/office/drawing/2014/main" id="{F765718C-0ED5-055F-E706-DDB5F85AA30A}"/>
               </a:ext>
             </a:extLst>
           </p:cNvPr>
@@ -7433,12 +7438,59 @@
         </p:blipFill>
         <p:spPr>
           <a:xfrm>
-            <a:off x="5092879" y="11116463"/>
-            <a:ext cx="2952466" cy="1261656"/>
+            <a:off x="4800598" y="10779286"/>
+            <a:ext cx="3165954" cy="1650208"/>
           </a:xfrm>
           <a:prstGeom prst="rect">
             <a:avLst/>
           </a:prstGeom>
+        </p:spPr>
+      </p:pic>
+      <p:pic>
+        <p:nvPicPr>
+          <p:cNvPr id="1028" name="Picture 4">
+            <a:extLst>
+              <a:ext uri="{FF2B5EF4-FFF2-40B4-BE49-F238E27FC236}">
+                <a16:creationId xmlns:a16="http://schemas.microsoft.com/office/drawing/2014/main" id="{41CEECCC-B26E-6791-328E-67E10FA9858C}"/>
+              </a:ext>
+            </a:extLst>
+          </p:cNvPr>
+          <p:cNvPicPr>
+            <a:picLocks noChangeAspect="1" noChangeArrowheads="1"/>
+          </p:cNvPicPr>
+          <p:nvPr/>
+        </p:nvPicPr>
+        <p:blipFill>
+          <a:blip r:embed="rId13">
+            <a:extLst>
+              <a:ext uri="{28A0092B-C50C-407E-A947-70E740481C1C}">
+                <a14:useLocalDpi xmlns:a14="http://schemas.microsoft.com/office/drawing/2010/main" val="0"/>
+              </a:ext>
+            </a:extLst>
+          </a:blip>
+          <a:srcRect/>
+          <a:stretch>
+            <a:fillRect/>
+          </a:stretch>
+        </p:blipFill>
+        <p:spPr bwMode="auto">
+          <a:xfrm>
+            <a:off x="6700385" y="789320"/>
+            <a:ext cx="1428405" cy="419655"/>
+          </a:xfrm>
+          <a:prstGeom prst="rect">
+            <a:avLst/>
+          </a:prstGeom>
+          <a:noFill/>
+          <a:extLst>
+            <a:ext uri="{909E8E84-426E-40DD-AFC4-6F175D3DCCD1}">
+              <a14:hiddenFill xmlns:a14="http://schemas.microsoft.com/office/drawing/2010/main">
+                <a:solidFill>
+                  <a:srgbClr val="FFFFFF"/>
+                </a:solidFill>
+              </a14:hiddenFill>
+            </a:ext>
+          </a:extLst>
         </p:spPr>
       </p:pic>
     </p:spTree>
